--- a/esa_python_block11_popmodels.pptx
+++ b/esa_python_block11_popmodels.pptx
@@ -298,7 +298,7 @@
             <a:fld id="{1D8BD707-D9CF-40AE-B4C6-C98DA3205C09}" type="datetimeFigureOut">
               <a:rPr lang="en-US" smtClean="0"/>
               <a:pPr/>
-              <a:t>8/3/12</a:t>
+              <a:t>8/2/2013</a:t>
             </a:fld>
             <a:endParaRPr lang="en-US"/>
           </a:p>
@@ -465,7 +465,7 @@
             <a:fld id="{1D8BD707-D9CF-40AE-B4C6-C98DA3205C09}" type="datetimeFigureOut">
               <a:rPr lang="en-US" smtClean="0"/>
               <a:pPr/>
-              <a:t>8/3/12</a:t>
+              <a:t>8/2/2013</a:t>
             </a:fld>
             <a:endParaRPr lang="en-US"/>
           </a:p>
@@ -642,7 +642,7 @@
             <a:fld id="{1D8BD707-D9CF-40AE-B4C6-C98DA3205C09}" type="datetimeFigureOut">
               <a:rPr lang="en-US" smtClean="0"/>
               <a:pPr/>
-              <a:t>8/3/12</a:t>
+              <a:t>8/2/2013</a:t>
             </a:fld>
             <a:endParaRPr lang="en-US"/>
           </a:p>
@@ -754,7 +754,7 @@
     </p:spTree>
     <p:extLst>
       <p:ext uri="{BB962C8B-B14F-4D97-AF65-F5344CB8AC3E}">
-        <p14:creationId xmlns:p14="http://schemas.microsoft.com/office/powerpoint/2010/main" val="1512776217"/>
+        <p14:creationId xmlns:p14="http://schemas.microsoft.com/office/powerpoint/2010/main" xmlns="" val="1512776217"/>
       </p:ext>
     </p:extLst>
   </p:cSld>
@@ -874,7 +874,7 @@
             <a:fld id="{1D8BD707-D9CF-40AE-B4C6-C98DA3205C09}" type="datetimeFigureOut">
               <a:rPr lang="en-US" smtClean="0"/>
               <a:pPr/>
-              <a:t>8/3/12</a:t>
+              <a:t>8/2/2013</a:t>
             </a:fld>
             <a:endParaRPr lang="en-US"/>
           </a:p>
@@ -1117,7 +1117,7 @@
             <a:fld id="{1D8BD707-D9CF-40AE-B4C6-C98DA3205C09}" type="datetimeFigureOut">
               <a:rPr lang="en-US" smtClean="0"/>
               <a:pPr/>
-              <a:t>8/3/12</a:t>
+              <a:t>8/2/2013</a:t>
             </a:fld>
             <a:endParaRPr lang="en-US"/>
           </a:p>
@@ -1402,7 +1402,7 @@
             <a:fld id="{1D8BD707-D9CF-40AE-B4C6-C98DA3205C09}" type="datetimeFigureOut">
               <a:rPr lang="en-US" smtClean="0"/>
               <a:pPr/>
-              <a:t>8/3/12</a:t>
+              <a:t>8/2/2013</a:t>
             </a:fld>
             <a:endParaRPr lang="en-US"/>
           </a:p>
@@ -1821,7 +1821,7 @@
             <a:fld id="{1D8BD707-D9CF-40AE-B4C6-C98DA3205C09}" type="datetimeFigureOut">
               <a:rPr lang="en-US" smtClean="0"/>
               <a:pPr/>
-              <a:t>8/3/12</a:t>
+              <a:t>8/2/2013</a:t>
             </a:fld>
             <a:endParaRPr lang="en-US"/>
           </a:p>
@@ -1936,7 +1936,7 @@
             <a:fld id="{1D8BD707-D9CF-40AE-B4C6-C98DA3205C09}" type="datetimeFigureOut">
               <a:rPr lang="en-US" smtClean="0"/>
               <a:pPr/>
-              <a:t>8/3/12</a:t>
+              <a:t>8/2/2013</a:t>
             </a:fld>
             <a:endParaRPr lang="en-US"/>
           </a:p>
@@ -2028,7 +2028,7 @@
             <a:fld id="{1D8BD707-D9CF-40AE-B4C6-C98DA3205C09}" type="datetimeFigureOut">
               <a:rPr lang="en-US" smtClean="0"/>
               <a:pPr/>
-              <a:t>8/3/12</a:t>
+              <a:t>8/2/2013</a:t>
             </a:fld>
             <a:endParaRPr lang="en-US"/>
           </a:p>
@@ -2302,7 +2302,7 @@
             <a:fld id="{1D8BD707-D9CF-40AE-B4C6-C98DA3205C09}" type="datetimeFigureOut">
               <a:rPr lang="en-US" smtClean="0"/>
               <a:pPr/>
-              <a:t>8/3/12</a:t>
+              <a:t>8/2/2013</a:t>
             </a:fld>
             <a:endParaRPr lang="en-US"/>
           </a:p>
@@ -2552,7 +2552,7 @@
             <a:fld id="{1D8BD707-D9CF-40AE-B4C6-C98DA3205C09}" type="datetimeFigureOut">
               <a:rPr lang="en-US" smtClean="0"/>
               <a:pPr/>
-              <a:t>8/3/12</a:t>
+              <a:t>8/2/2013</a:t>
             </a:fld>
             <a:endParaRPr lang="en-US"/>
           </a:p>
@@ -2762,7 +2762,7 @@
             <a:fld id="{1D8BD707-D9CF-40AE-B4C6-C98DA3205C09}" type="datetimeFigureOut">
               <a:rPr lang="en-US" smtClean="0"/>
               <a:pPr/>
-              <a:t>8/3/12</a:t>
+              <a:t>8/2/2013</a:t>
             </a:fld>
             <a:endParaRPr lang="en-US"/>
           </a:p>
@@ -3158,10 +3158,6 @@
               <a:rPr lang="en-US" dirty="0" smtClean="0"/>
               <a:t>Population Models</a:t>
             </a:r>
-            <a:r>
-              <a:rPr lang="en-US" dirty="0" smtClean="0"/>
-              <a:t/>
-            </a:r>
             <a:br>
               <a:rPr lang="en-US" dirty="0" smtClean="0"/>
             </a:br>
@@ -3203,11 +3199,19 @@
             </a:r>
             <a:r>
               <a:rPr lang="en-US" dirty="0" smtClean="0"/>
-              <a:t>, Chance </a:t>
+              <a:t>, </a:t>
+            </a:r>
+            <a:r>
+              <a:rPr lang="en-US" dirty="0" smtClean="0"/>
+              <a:t>Jonathan </a:t>
             </a:r>
             <a:r>
               <a:rPr lang="en-US" dirty="0" err="1" smtClean="0"/>
-              <a:t>Pascale</a:t>
+              <a:t>Flaishans</a:t>
+            </a:r>
+            <a:r>
+              <a:rPr lang="en-US" dirty="0" smtClean="0"/>
+              <a:t>, Marcia Snyder</a:t>
             </a:r>
             <a:endParaRPr lang="en-US" dirty="0"/>
           </a:p>
@@ -3264,7 +3268,17 @@
                   </a:schemeClr>
                 </a:solidFill>
               </a:rPr>
-              <a:t>Portland, OR</a:t>
+              <a:t>Minneapolis, </a:t>
+            </a:r>
+            <a:r>
+              <a:rPr lang="en-US" sz="2400" dirty="0" smtClean="0">
+                <a:solidFill>
+                  <a:schemeClr val="tx1">
+                    <a:tint val="75000"/>
+                  </a:schemeClr>
+                </a:solidFill>
+              </a:rPr>
+              <a:t>MN</a:t>
             </a:r>
           </a:p>
           <a:p>
@@ -3299,27 +3313,17 @@
               </a:spcBef>
             </a:pPr>
             <a:r>
-              <a:rPr lang="en-US" sz="2400" smtClean="0">
+              <a:rPr lang="en-US" sz="2400" dirty="0" smtClean="0">
                 <a:solidFill>
                   <a:schemeClr val="tx1">
                     <a:tint val="75000"/>
                   </a:schemeClr>
                 </a:solidFill>
               </a:rPr>
-              <a:t>August </a:t>
-            </a:r>
-            <a:r>
-              <a:rPr lang="en-US" sz="2400" smtClean="0">
-                <a:solidFill>
-                  <a:schemeClr val="tx1">
-                    <a:tint val="75000"/>
-                  </a:schemeClr>
-                </a:solidFill>
-              </a:rPr>
-              <a:t>3</a:t>
-            </a:r>
-            <a:r>
-              <a:rPr lang="en-US" sz="2400" baseline="30000" smtClean="0">
+              <a:t>August 3</a:t>
+            </a:r>
+            <a:r>
+              <a:rPr lang="en-US" sz="2400" baseline="30000" dirty="0" smtClean="0">
                 <a:solidFill>
                   <a:schemeClr val="tx1">
                     <a:tint val="75000"/>
@@ -3329,26 +3333,6 @@
               <a:t>rd</a:t>
             </a:r>
             <a:r>
-              <a:rPr lang="en-US" sz="2400" smtClean="0">
-                <a:solidFill>
-                  <a:schemeClr val="tx1">
-                    <a:tint val="75000"/>
-                  </a:schemeClr>
-                </a:solidFill>
-              </a:rPr>
-              <a:t>,</a:t>
-            </a:r>
-            <a:r>
-              <a:rPr lang="en-US" sz="2400" smtClean="0">
-                <a:solidFill>
-                  <a:schemeClr val="tx1">
-                    <a:tint val="75000"/>
-                  </a:schemeClr>
-                </a:solidFill>
-              </a:rPr>
-              <a:t> </a:t>
-            </a:r>
-            <a:r>
               <a:rPr lang="en-US" sz="2400" dirty="0" smtClean="0">
                 <a:solidFill>
                   <a:schemeClr val="tx1">
@@ -3356,8 +3340,25 @@
                   </a:schemeClr>
                 </a:solidFill>
               </a:rPr>
-              <a:t>2012</a:t>
-            </a:r>
+              <a:t>, </a:t>
+            </a:r>
+            <a:r>
+              <a:rPr lang="en-US" sz="2400" dirty="0" smtClean="0">
+                <a:solidFill>
+                  <a:schemeClr val="tx1">
+                    <a:tint val="75000"/>
+                  </a:schemeClr>
+                </a:solidFill>
+              </a:rPr>
+              <a:t>2013</a:t>
+            </a:r>
+            <a:endParaRPr lang="en-US" sz="2400" dirty="0" smtClean="0">
+              <a:solidFill>
+                <a:schemeClr val="tx1">
+                  <a:tint val="75000"/>
+                </a:schemeClr>
+              </a:solidFill>
+            </a:endParaRPr>
           </a:p>
         </p:txBody>
       </p:sp>
@@ -3369,7 +3370,7 @@
   <p:timing>
     <p:tnLst>
       <p:par>
-        <p:cTn xmlns:p14="http://schemas.microsoft.com/office/powerpoint/2010/main" id="1" dur="indefinite" restart="never" nodeType="tmRoot"/>
+        <p:cTn id="1" dur="indefinite" restart="never" nodeType="tmRoot"/>
       </p:par>
     </p:tnLst>
   </p:timing>
@@ -3673,59 +3674,9 @@
         </p:xfrm>
         <a:graphic>
           <a:graphicData uri="http://schemas.openxmlformats.org/presentationml/2006/ole">
-            <mc:AlternateContent xmlns:mc="http://schemas.openxmlformats.org/markup-compatibility/2006">
-              <mc:Choice xmlns:v="urn:schemas-microsoft-com:vml" Requires="v">
-                <p:oleObj spid="_x0000_s90116" name="Equation" r:id="rId3" imgW="2298600" imgH="939600" progId="Equation.DSMT4">
-                  <p:embed/>
-                </p:oleObj>
-              </mc:Choice>
-              <mc:Fallback>
-                <p:oleObj name="Equation" r:id="rId3" imgW="2298600" imgH="939600" progId="Equation.DSMT4">
-                  <p:embed/>
-                  <p:pic>
-                    <p:nvPicPr>
-                      <p:cNvPr id="0" name="Picture 2"/>
-                      <p:cNvPicPr>
-                        <a:picLocks noChangeAspect="1" noChangeArrowheads="1"/>
-                      </p:cNvPicPr>
-                      <p:nvPr/>
-                    </p:nvPicPr>
-                    <p:blipFill>
-                      <a:blip r:embed="rId4">
-                        <a:extLst>
-                          <a:ext uri="{28A0092B-C50C-407E-A947-70E740481C1C}">
-                            <a14:useLocalDpi xmlns:a14="http://schemas.microsoft.com/office/drawing/2010/main" val="0"/>
-                          </a:ext>
-                        </a:extLst>
-                      </a:blip>
-                      <a:srcRect/>
-                      <a:stretch>
-                        <a:fillRect/>
-                      </a:stretch>
-                    </p:blipFill>
-                    <p:spPr bwMode="auto">
-                      <a:xfrm>
-                        <a:off x="2362200" y="1600200"/>
-                        <a:ext cx="4191000" cy="1829221"/>
-                      </a:xfrm>
-                      <a:prstGeom prst="rect">
-                        <a:avLst/>
-                      </a:prstGeom>
-                      <a:noFill/>
-                      <a:extLst>
-                        <a:ext uri="{909E8E84-426E-40dd-AFC4-6F175D3DCCD1}">
-                          <a14:hiddenFill xmlns:a14="http://schemas.microsoft.com/office/drawing/2010/main">
-                            <a:solidFill>
-                              <a:srgbClr val="FFFFFF"/>
-                            </a:solidFill>
-                          </a14:hiddenFill>
-                        </a:ext>
-                      </a:extLst>
-                    </p:spPr>
-                  </p:pic>
-                </p:oleObj>
-              </mc:Fallback>
-            </mc:AlternateContent>
+            <p:oleObj spid="_x0000_s90116" name="Equation" r:id="rId3" imgW="2298401" imgH="939754" progId="Equation.DSMT4">
+              <p:embed/>
+            </p:oleObj>
           </a:graphicData>
         </a:graphic>
       </p:graphicFrame>
@@ -3952,7 +3903,7 @@
   <p:timing>
     <p:tnLst>
       <p:par>
-        <p:cTn xmlns:p14="http://schemas.microsoft.com/office/powerpoint/2010/main" id="1" dur="indefinite" restart="never" nodeType="tmRoot"/>
+        <p:cTn id="1" dur="indefinite" restart="never" nodeType="tmRoot"/>
       </p:par>
     </p:tnLst>
   </p:timing>
@@ -4000,12 +3951,13 @@
             </a:r>
             <a:r>
               <a:rPr lang="en-US" dirty="0" err="1" smtClean="0"/>
-              <a:t>Übertool</a:t>
+              <a:t>Üntertool</a:t>
             </a:r>
             <a:r>
               <a:rPr lang="en-US" dirty="0" smtClean="0"/>
               <a:t> </a:t>
             </a:r>
+            <a:endParaRPr lang="en-US" dirty="0" smtClean="0"/>
           </a:p>
         </p:txBody>
       </p:sp>
@@ -4019,9 +3971,16 @@
             <p:ph idx="1"/>
           </p:nvPr>
         </p:nvSpPr>
-        <p:spPr/>
-        <p:txBody>
-          <a:bodyPr/>
+        <p:spPr>
+          <a:xfrm>
+            <a:off x="457200" y="1600200"/>
+            <a:ext cx="8229600" cy="4953000"/>
+          </a:xfrm>
+        </p:spPr>
+        <p:txBody>
+          <a:bodyPr>
+            <a:normAutofit fontScale="92500" lnSpcReduction="10000"/>
+          </a:bodyPr>
           <a:lstStyle/>
           <a:p>
             <a:pPr>
@@ -4110,6 +4069,74 @@
             </a:r>
           </a:p>
           <a:p>
+            <a:pPr>
+              <a:buFont typeface="+mj-lt"/>
+              <a:buAutoNum type="arabicPeriod"/>
+            </a:pPr>
+            <a:r>
+              <a:rPr lang="en-US" sz="2800" dirty="0" smtClean="0"/>
+              <a:t> </a:t>
+            </a:r>
+            <a:r>
+              <a:rPr lang="en-US" sz="2800" dirty="0" err="1" smtClean="0"/>
+              <a:t>Khoury</a:t>
+            </a:r>
+            <a:endParaRPr lang="en-US" sz="2800" dirty="0" smtClean="0"/>
+          </a:p>
+          <a:p>
+            <a:pPr>
+              <a:buFont typeface="+mj-lt"/>
+              <a:buAutoNum type="arabicPeriod"/>
+            </a:pPr>
+            <a:r>
+              <a:rPr lang="en-US" sz="2800" dirty="0" err="1" smtClean="0"/>
+              <a:t>BeePop</a:t>
+            </a:r>
+            <a:endParaRPr lang="en-US" sz="2800" dirty="0" smtClean="0"/>
+          </a:p>
+          <a:p>
+            <a:pPr>
+              <a:buFont typeface="+mj-lt"/>
+              <a:buAutoNum type="arabicPeriod"/>
+            </a:pPr>
+            <a:r>
+              <a:rPr lang="en-US" sz="2800" dirty="0" err="1" smtClean="0"/>
+              <a:t>HoPoMo</a:t>
+            </a:r>
+            <a:endParaRPr lang="en-US" sz="2800" dirty="0" smtClean="0"/>
+          </a:p>
+          <a:p>
+            <a:endParaRPr lang="en-US" dirty="0"/>
+          </a:p>
+        </p:txBody>
+      </p:sp>
+      <p:sp>
+        <p:nvSpPr>
+          <p:cNvPr id="4" name="Rectangle 3"/>
+          <p:cNvSpPr/>
+          <p:nvPr/>
+        </p:nvSpPr>
+        <p:spPr>
+          <a:xfrm>
+            <a:off x="3048000" y="1600200"/>
+            <a:ext cx="5410200" cy="369332"/>
+          </a:xfrm>
+          <a:prstGeom prst="rect">
+            <a:avLst/>
+          </a:prstGeom>
+        </p:spPr>
+        <p:txBody>
+          <a:bodyPr wrap="square">
+            <a:spAutoFit/>
+          </a:bodyPr>
+          <a:lstStyle/>
+          <a:p>
+            <a:r>
+              <a:rPr lang="en-US" dirty="0" smtClean="0">
+                <a:hlinkClick r:id="rId2"/>
+              </a:rPr>
+              <a:t>http://master.untertool.appspot.com/pop_index.html</a:t>
+            </a:r>
             <a:endParaRPr lang="en-US" dirty="0"/>
           </a:p>
         </p:txBody>
@@ -4122,7 +4149,7 @@
   <p:timing>
     <p:tnLst>
       <p:par>
-        <p:cTn xmlns:p14="http://schemas.microsoft.com/office/powerpoint/2010/main" id="1" dur="indefinite" restart="never" nodeType="tmRoot"/>
+        <p:cTn id="1" dur="indefinite" restart="never" nodeType="tmRoot"/>
       </p:par>
     </p:tnLst>
   </p:timing>
@@ -4316,59 +4343,9 @@
         </p:xfrm>
         <a:graphic>
           <a:graphicData uri="http://schemas.openxmlformats.org/presentationml/2006/ole">
-            <mc:AlternateContent xmlns:mc="http://schemas.openxmlformats.org/markup-compatibility/2006">
-              <mc:Choice xmlns:v="urn:schemas-microsoft-com:vml" Requires="v">
-                <p:oleObj spid="_x0000_s87045" name="Equation" r:id="rId3" imgW="660240" imgH="241200" progId="Equation.DSMT4">
-                  <p:embed/>
-                </p:oleObj>
-              </mc:Choice>
-              <mc:Fallback>
-                <p:oleObj name="Equation" r:id="rId3" imgW="660240" imgH="241200" progId="Equation.DSMT4">
-                  <p:embed/>
-                  <p:pic>
-                    <p:nvPicPr>
-                      <p:cNvPr id="0" name="Picture 3"/>
-                      <p:cNvPicPr>
-                        <a:picLocks noChangeAspect="1" noChangeArrowheads="1"/>
-                      </p:cNvPicPr>
-                      <p:nvPr/>
-                    </p:nvPicPr>
-                    <p:blipFill>
-                      <a:blip r:embed="rId4">
-                        <a:extLst>
-                          <a:ext uri="{28A0092B-C50C-407E-A947-70E740481C1C}">
-                            <a14:useLocalDpi xmlns:a14="http://schemas.microsoft.com/office/drawing/2010/main" val="0"/>
-                          </a:ext>
-                        </a:extLst>
-                      </a:blip>
-                      <a:srcRect/>
-                      <a:stretch>
-                        <a:fillRect/>
-                      </a:stretch>
-                    </p:blipFill>
-                    <p:spPr bwMode="auto">
-                      <a:xfrm>
-                        <a:off x="1371600" y="2133600"/>
-                        <a:ext cx="2406061" cy="685800"/>
-                      </a:xfrm>
-                      <a:prstGeom prst="rect">
-                        <a:avLst/>
-                      </a:prstGeom>
-                      <a:noFill/>
-                      <a:extLst>
-                        <a:ext uri="{909E8E84-426E-40dd-AFC4-6F175D3DCCD1}">
-                          <a14:hiddenFill xmlns:a14="http://schemas.microsoft.com/office/drawing/2010/main">
-                            <a:solidFill>
-                              <a:srgbClr val="FFFFFF"/>
-                            </a:solidFill>
-                          </a14:hiddenFill>
-                        </a:ext>
-                      </a:extLst>
-                    </p:spPr>
-                  </p:pic>
-                </p:oleObj>
-              </mc:Fallback>
-            </mc:AlternateContent>
+            <p:oleObj spid="_x0000_s87045" name="Equation" r:id="rId3" imgW="659910" imgH="241269" progId="Equation.DSMT4">
+              <p:embed/>
+            </p:oleObj>
           </a:graphicData>
         </a:graphic>
       </p:graphicFrame>
@@ -4380,7 +4357,7 @@
   <p:timing>
     <p:tnLst>
       <p:par>
-        <p:cTn xmlns:p14="http://schemas.microsoft.com/office/powerpoint/2010/main" id="1" dur="indefinite" restart="never" nodeType="tmRoot"/>
+        <p:cTn id="1" dur="indefinite" restart="never" nodeType="tmRoot"/>
       </p:par>
     </p:tnLst>
   </p:timing>
@@ -4731,7 +4708,7 @@
   <p:timing>
     <p:tnLst>
       <p:par>
-        <p:cTn xmlns:p14="http://schemas.microsoft.com/office/powerpoint/2010/main" id="1" dur="indefinite" restart="never" nodeType="tmRoot"/>
+        <p:cTn id="1" dur="indefinite" restart="never" nodeType="tmRoot"/>
       </p:par>
     </p:tnLst>
   </p:timing>
@@ -4942,59 +4919,9 @@
         </p:xfrm>
         <a:graphic>
           <a:graphicData uri="http://schemas.openxmlformats.org/presentationml/2006/ole">
-            <mc:AlternateContent xmlns:mc="http://schemas.openxmlformats.org/markup-compatibility/2006">
-              <mc:Choice xmlns:v="urn:schemas-microsoft-com:vml" Requires="v">
-                <p:oleObj spid="_x0000_s96261" name="Equation" r:id="rId3" imgW="1650960" imgH="393480" progId="Equation.DSMT4">
-                  <p:embed/>
-                </p:oleObj>
-              </mc:Choice>
-              <mc:Fallback>
-                <p:oleObj name="Equation" r:id="rId3" imgW="1650960" imgH="393480" progId="Equation.DSMT4">
-                  <p:embed/>
-                  <p:pic>
-                    <p:nvPicPr>
-                      <p:cNvPr id="0" name="Picture 3"/>
-                      <p:cNvPicPr>
-                        <a:picLocks noChangeAspect="1" noChangeArrowheads="1"/>
-                      </p:cNvPicPr>
-                      <p:nvPr/>
-                    </p:nvPicPr>
-                    <p:blipFill>
-                      <a:blip r:embed="rId4">
-                        <a:extLst>
-                          <a:ext uri="{28A0092B-C50C-407E-A947-70E740481C1C}">
-                            <a14:useLocalDpi xmlns:a14="http://schemas.microsoft.com/office/drawing/2010/main" val="0"/>
-                          </a:ext>
-                        </a:extLst>
-                      </a:blip>
-                      <a:srcRect/>
-                      <a:stretch>
-                        <a:fillRect/>
-                      </a:stretch>
-                    </p:blipFill>
-                    <p:spPr bwMode="auto">
-                      <a:xfrm>
-                        <a:off x="1219200" y="2362200"/>
-                        <a:ext cx="4667250" cy="868363"/>
-                      </a:xfrm>
-                      <a:prstGeom prst="rect">
-                        <a:avLst/>
-                      </a:prstGeom>
-                      <a:noFill/>
-                      <a:extLst>
-                        <a:ext uri="{909E8E84-426E-40dd-AFC4-6F175D3DCCD1}">
-                          <a14:hiddenFill xmlns:a14="http://schemas.microsoft.com/office/drawing/2010/main">
-                            <a:solidFill>
-                              <a:srgbClr val="FFFFFF"/>
-                            </a:solidFill>
-                          </a14:hiddenFill>
-                        </a:ext>
-                      </a:extLst>
-                    </p:spPr>
-                  </p:pic>
-                </p:oleObj>
-              </mc:Fallback>
-            </mc:AlternateContent>
+            <p:oleObj spid="_x0000_s96261" name="Equation" r:id="rId3" imgW="1650770" imgH="393539" progId="Equation.DSMT4">
+              <p:embed/>
+            </p:oleObj>
           </a:graphicData>
         </a:graphic>
       </p:graphicFrame>
@@ -5006,7 +4933,7 @@
   <p:timing>
     <p:tnLst>
       <p:par>
-        <p:cTn xmlns:p14="http://schemas.microsoft.com/office/powerpoint/2010/main" id="1" dur="indefinite" restart="never" nodeType="tmRoot"/>
+        <p:cTn id="1" dur="indefinite" restart="never" nodeType="tmRoot"/>
       </p:par>
     </p:tnLst>
   </p:timing>
@@ -5397,7 +5324,7 @@
   <p:timing>
     <p:tnLst>
       <p:par>
-        <p:cTn xmlns:p14="http://schemas.microsoft.com/office/powerpoint/2010/main" id="1" dur="indefinite" restart="never" nodeType="tmRoot"/>
+        <p:cTn id="1" dur="indefinite" restart="never" nodeType="tmRoot"/>
       </p:par>
     </p:tnLst>
   </p:timing>
@@ -5626,7 +5553,7 @@
   <p:timing>
     <p:tnLst>
       <p:par>
-        <p:cTn xmlns:p14="http://schemas.microsoft.com/office/powerpoint/2010/main" id="1" dur="indefinite" restart="never" nodeType="tmRoot"/>
+        <p:cTn id="1" dur="indefinite" restart="never" nodeType="tmRoot"/>
       </p:par>
     </p:tnLst>
   </p:timing>
@@ -5728,10 +5655,7 @@
             <a:endParaRPr lang="en-US" sz="2800" dirty="0" smtClean="0"/>
           </a:p>
           <a:p>
-            <a:r>
-              <a:rPr lang="en-US" sz="2800" dirty="0" smtClean="0"/>
-              <a:t>p</a:t>
-            </a:r>
+            <a:endParaRPr lang="en-US" sz="2800" dirty="0" smtClean="0"/>
           </a:p>
           <a:p>
             <a:endParaRPr lang="en-US" dirty="0"/>
@@ -6124,7 +6048,7 @@
   <p:timing>
     <p:tnLst>
       <p:par>
-        <p:cTn xmlns:p14="http://schemas.microsoft.com/office/powerpoint/2010/main" id="1" dur="indefinite" restart="never" nodeType="tmRoot"/>
+        <p:cTn id="1" dur="indefinite" restart="never" nodeType="tmRoot"/>
       </p:par>
     </p:tnLst>
   </p:timing>
@@ -6232,7 +6156,7 @@
   <p:timing>
     <p:tnLst>
       <p:par>
-        <p:cTn xmlns:p14="http://schemas.microsoft.com/office/powerpoint/2010/main" id="1" dur="indefinite" restart="never" nodeType="tmRoot"/>
+        <p:cTn id="1" dur="indefinite" restart="never" nodeType="tmRoot"/>
       </p:par>
     </p:tnLst>
   </p:timing>
